--- a/slides/IET Oncampus x Taichung Tech/IET oncampus x Taichung Tech.pptx
+++ b/slides/IET Oncampus x Taichung Tech/IET oncampus x Taichung Tech.pptx
@@ -4079,6 +4079,13 @@
               </a:rPr>
               <a:t>破冰時間</a:t>
             </a:r>
+            <a:r>
+              <a:rPr lang="en-US" altLang="zh-TW" b="1" dirty="0">
+                <a:latin typeface="微軟正黑體" panose="020B0604030504040204" pitchFamily="34" charset="-120"/>
+                <a:ea typeface="微軟正黑體" panose="020B0604030504040204" pitchFamily="34" charset="-120"/>
+              </a:rPr>
+              <a:t/>
+            </a:r>
             <a:br>
               <a:rPr lang="en-US" altLang="zh-TW" b="1" dirty="0">
                 <a:latin typeface="微軟正黑體" panose="020B0604030504040204" pitchFamily="34" charset="-120"/>
@@ -4200,6 +4207,13 @@
               </a:rPr>
               <a:t>首屆幹部採取自願制</a:t>
             </a:r>
+            <a:r>
+              <a:rPr lang="en-US" altLang="zh-TW" sz="3200" b="1" dirty="0">
+                <a:latin typeface="微軟正黑體" panose="020B0604030504040204" pitchFamily="34" charset="-120"/>
+                <a:ea typeface="微軟正黑體" panose="020B0604030504040204" pitchFamily="34" charset="-120"/>
+              </a:rPr>
+              <a:t/>
+            </a:r>
             <a:br>
               <a:rPr lang="en-US" altLang="zh-TW" sz="3200" b="1" dirty="0">
                 <a:latin typeface="微軟正黑體" panose="020B0604030504040204" pitchFamily="34" charset="-120"/>
@@ -4240,6 +4254,13 @@
                 <a:ea typeface="微軟正黑體" panose="020B0604030504040204" pitchFamily="34" charset="-120"/>
               </a:rPr>
               <a:t>)</a:t>
+            </a:r>
+            <a:r>
+              <a:rPr lang="en-US" altLang="zh-TW" sz="3200" b="1" dirty="0">
+                <a:latin typeface="微軟正黑體" panose="020B0604030504040204" pitchFamily="34" charset="-120"/>
+                <a:ea typeface="微軟正黑體" panose="020B0604030504040204" pitchFamily="34" charset="-120"/>
+              </a:rPr>
+              <a:t/>
             </a:r>
             <a:br>
               <a:rPr lang="en-US" altLang="zh-TW" sz="3200" b="1" dirty="0">
@@ -7802,6 +7823,13 @@
               </a:rPr>
               <a:t>等等校園推廣計畫。結合上述資源，將依據該社群會議決策與活動議程組的規畫舉辦各項跨域與科技分享活動。</a:t>
             </a:r>
+            <a:r>
+              <a:rPr lang="en-US" altLang="zh-TW" sz="2400" dirty="0">
+                <a:latin typeface="微軟正黑體" panose="020B0604030504040204" pitchFamily="34" charset="-120"/>
+                <a:ea typeface="微軟正黑體" panose="020B0604030504040204" pitchFamily="34" charset="-120"/>
+              </a:rPr>
+              <a:t/>
+            </a:r>
             <a:br>
               <a:rPr lang="en-US" altLang="zh-TW" sz="2400" dirty="0">
                 <a:latin typeface="微軟正黑體" panose="020B0604030504040204" pitchFamily="34" charset="-120"/>
@@ -7992,7 +8020,7 @@
           <p:nvPr>
             <p:extLst>
               <p:ext uri="{D42A27DB-BD31-4B8C-83A1-F6EECF244321}">
-                <p14:modId xmlns:p14="http://schemas.microsoft.com/office/powerpoint/2010/main" val="3353282046"/>
+                <p14:modId xmlns:p14="http://schemas.microsoft.com/office/powerpoint/2010/main" val="2331164939"/>
               </p:ext>
             </p:extLst>
           </p:nvPr>
@@ -8360,11 +8388,18 @@
                         <a:defRPr/>
                       </a:pPr>
                       <a:r>
+                        <a:rPr lang="zh-TW" altLang="en-US" dirty="0" smtClean="0">
+                          <a:latin typeface="微軟正黑體" panose="020B0604030504040204" pitchFamily="34" charset="-120"/>
+                          <a:ea typeface="微軟正黑體" panose="020B0604030504040204" pitchFamily="34" charset="-120"/>
+                        </a:rPr>
+                        <a:t>文創設計</a:t>
+                      </a:r>
+                      <a:r>
                         <a:rPr lang="zh-TW" altLang="en-US" dirty="0">
                           <a:latin typeface="微軟正黑體" panose="020B0604030504040204" pitchFamily="34" charset="-120"/>
                           <a:ea typeface="微軟正黑體" panose="020B0604030504040204" pitchFamily="34" charset="-120"/>
                         </a:rPr>
-                        <a:t>設計組</a:t>
+                        <a:t>組</a:t>
                       </a:r>
                     </a:p>
                   </a:txBody>
